--- a/SchulProjektPräsentation.pptx
+++ b/SchulProjektPräsentation.pptx
@@ -334,7 +334,7 @@
           <a:p>
             <a:fld id="{0ECAA56D-6859-4EF7-83F5-F26517F8F86A}" type="datetimeFigureOut">
               <a:rPr lang="en-US" smtClean="0"/>
-              <a:t>1/8/2019</a:t>
+              <a:t>1/10/2019</a:t>
             </a:fld>
             <a:endParaRPr lang="en-US"/>
           </a:p>
@@ -500,7 +500,7 @@
           <a:p>
             <a:fld id="{99A7A732-E016-4A82-A589-F6E10816C5CA}" type="datetimeFigureOut">
               <a:rPr lang="en-US" smtClean="0"/>
-              <a:t>1/8/2019</a:t>
+              <a:t>1/10/2019</a:t>
             </a:fld>
             <a:endParaRPr lang="en-US"/>
           </a:p>
@@ -9556,7 +9556,7 @@
           <a:p>
             <a:r>
               <a:rPr lang="de-DE" dirty="0"/>
-              <a:t>Probleme und Lösungen</a:t>
+              <a:t>Herausforderungen</a:t>
             </a:r>
             <a:endParaRPr lang="en-US" dirty="0"/>
           </a:p>
@@ -10619,7 +10619,7 @@
             </a:pPr>
             <a:r>
               <a:rPr lang="de-DE" dirty="0"/>
-              <a:t>Probleme und Lösungen</a:t>
+              <a:t>Herausforderungen</a:t>
             </a:r>
           </a:p>
           <a:p>

--- a/SchulProjektPräsentation.pptx
+++ b/SchulProjektPräsentation.pptx
@@ -21,12 +21,12 @@
     <p:sldId id="267" r:id="rId9"/>
     <p:sldId id="268" r:id="rId10"/>
     <p:sldId id="269" r:id="rId11"/>
-    <p:sldId id="272" r:id="rId12"/>
-    <p:sldId id="270" r:id="rId13"/>
-    <p:sldId id="274" r:id="rId14"/>
-    <p:sldId id="273" r:id="rId15"/>
-    <p:sldId id="275" r:id="rId16"/>
-    <p:sldId id="276" r:id="rId17"/>
+    <p:sldId id="270" r:id="rId12"/>
+    <p:sldId id="274" r:id="rId13"/>
+    <p:sldId id="273" r:id="rId14"/>
+    <p:sldId id="275" r:id="rId15"/>
+    <p:sldId id="276" r:id="rId16"/>
+    <p:sldId id="272" r:id="rId17"/>
     <p:sldId id="277" r:id="rId18"/>
     <p:sldId id="278" r:id="rId19"/>
     <p:sldId id="279" r:id="rId20"/>
@@ -1570,7 +1570,7 @@
           <a:p>
             <a:fld id="{CFFD62D3-BB65-47B7-B482-3500296D899C}" type="slidenum">
               <a:rPr lang="en-US" smtClean="0"/>
-              <a:t>12</a:t>
+              <a:t>11</a:t>
             </a:fld>
             <a:endParaRPr lang="en-US"/>
           </a:p>
@@ -1730,7 +1730,7 @@
           <a:p>
             <a:fld id="{CFFD62D3-BB65-47B7-B482-3500296D899C}" type="slidenum">
               <a:rPr lang="en-US" smtClean="0"/>
-              <a:t>13</a:t>
+              <a:t>12</a:t>
             </a:fld>
             <a:endParaRPr lang="en-US"/>
           </a:p>
@@ -1837,7 +1837,7 @@
           <a:p>
             <a:fld id="{CFFD62D3-BB65-47B7-B482-3500296D899C}" type="slidenum">
               <a:rPr lang="en-US" smtClean="0"/>
-              <a:t>14</a:t>
+              <a:t>13</a:t>
             </a:fld>
             <a:endParaRPr lang="en-US"/>
           </a:p>
@@ -1996,7 +1996,7 @@
           <a:p>
             <a:fld id="{CFFD62D3-BB65-47B7-B482-3500296D899C}" type="slidenum">
               <a:rPr lang="en-US" smtClean="0"/>
-              <a:t>15</a:t>
+              <a:t>14</a:t>
             </a:fld>
             <a:endParaRPr lang="en-US"/>
           </a:p>
@@ -8008,10 +8008,10 @@
       </p:pic>
       <p:graphicFrame>
         <p:nvGraphicFramePr>
-          <p:cNvPr id="7" name="Table 6">
+          <p:cNvPr id="6" name="Table 5">
             <a:extLst>
               <a:ext uri="{FF2B5EF4-FFF2-40B4-BE49-F238E27FC236}">
-                <a16:creationId xmlns:a16="http://schemas.microsoft.com/office/drawing/2014/main" id="{F6455E10-F10D-4FF9-A29B-8DD28D3030AD}"/>
+                <a16:creationId xmlns:a16="http://schemas.microsoft.com/office/drawing/2014/main" id="{4F321B0E-AF7F-4EDC-A11F-7E05D27FEB6B}"/>
               </a:ext>
             </a:extLst>
           </p:cNvPr>
@@ -8021,7 +8021,7 @@
           <p:nvPr>
             <p:extLst>
               <p:ext uri="{D42A27DB-BD31-4B8C-83A1-F6EECF244321}">
-                <p14:modId xmlns:p14="http://schemas.microsoft.com/office/powerpoint/2010/main" val="3278246142"/>
+                <p14:modId xmlns:p14="http://schemas.microsoft.com/office/powerpoint/2010/main" val="1355432117"/>
               </p:ext>
             </p:extLst>
           </p:nvPr>
@@ -8087,7 +8087,11 @@
                       <a:endParaRPr lang="en-US" sz="1600" dirty="0"/>
                     </a:p>
                   </a:txBody>
-                  <a:tcPr/>
+                  <a:tcPr>
+                    <a:solidFill>
+                      <a:srgbClr val="4294D6"/>
+                    </a:solidFill>
+                  </a:tcPr>
                 </a:tc>
                 <a:tc>
                   <a:txBody>
@@ -8116,7 +8120,7 @@
                       <a:pPr algn="ctr"/>
                       <a:r>
                         <a:rPr lang="de-DE" sz="1600" dirty="0"/>
-                        <a:t>Demo</a:t>
+                        <a:t>Durchführung</a:t>
                       </a:r>
                       <a:endParaRPr lang="en-US" sz="1600" dirty="0"/>
                     </a:p>
@@ -8130,10 +8134,9 @@
                     <a:p>
                       <a:pPr algn="ctr"/>
                       <a:r>
-                        <a:rPr lang="de-DE" sz="1600" dirty="0"/>
-                        <a:t>Durchführung</a:t>
+                        <a:rPr lang="en-US" sz="1600" dirty="0"/>
+                        <a:t>Demo</a:t>
                       </a:r>
-                      <a:endParaRPr lang="en-US" sz="1600" dirty="0"/>
                     </a:p>
                   </a:txBody>
                   <a:tcPr/>
@@ -8198,7 +8201,7 @@
           <p:cNvPr id="4" name="Title 3">
             <a:extLst>
               <a:ext uri="{FF2B5EF4-FFF2-40B4-BE49-F238E27FC236}">
-                <a16:creationId xmlns:a16="http://schemas.microsoft.com/office/drawing/2014/main" id="{E60C3045-FF9A-4EF6-8A58-78AA5CB289DE}"/>
+                <a16:creationId xmlns:a16="http://schemas.microsoft.com/office/drawing/2014/main" id="{1F24A1E2-AD2B-4775-9E5F-5E85CBCD4C25}"/>
               </a:ext>
             </a:extLst>
           </p:cNvPr>
@@ -8216,7 +8219,7 @@
           <a:p>
             <a:r>
               <a:rPr lang="de-DE" dirty="0"/>
-              <a:t>Demo</a:t>
+              <a:t>Durchführung</a:t>
             </a:r>
             <a:endParaRPr lang="en-US" dirty="0"/>
           </a:p>
@@ -8225,7 +8228,7 @@
     </p:spTree>
     <p:extLst>
       <p:ext uri="{BB962C8B-B14F-4D97-AF65-F5344CB8AC3E}">
-        <p14:creationId xmlns:p14="http://schemas.microsoft.com/office/powerpoint/2010/main" val="2259244815"/>
+        <p14:creationId xmlns:p14="http://schemas.microsoft.com/office/powerpoint/2010/main" val="1519939134"/>
       </p:ext>
     </p:extLst>
   </p:cSld>
@@ -8254,65 +8257,6 @@
       </p:grpSpPr>
       <p:sp>
         <p:nvSpPr>
-          <p:cNvPr id="4" name="Title 3">
-            <a:extLst>
-              <a:ext uri="{FF2B5EF4-FFF2-40B4-BE49-F238E27FC236}">
-                <a16:creationId xmlns:a16="http://schemas.microsoft.com/office/drawing/2014/main" id="{1F24A1E2-AD2B-4775-9E5F-5E85CBCD4C25}"/>
-              </a:ext>
-            </a:extLst>
-          </p:cNvPr>
-          <p:cNvSpPr>
-            <a:spLocks noGrp="1"/>
-          </p:cNvSpPr>
-          <p:nvPr>
-            <p:ph type="title"/>
-          </p:nvPr>
-        </p:nvSpPr>
-        <p:spPr/>
-        <p:txBody>
-          <a:bodyPr/>
-          <a:lstStyle/>
-          <a:p>
-            <a:r>
-              <a:rPr lang="de-DE" dirty="0"/>
-              <a:t>Durchführung</a:t>
-            </a:r>
-            <a:endParaRPr lang="en-US" dirty="0"/>
-          </a:p>
-        </p:txBody>
-      </p:sp>
-    </p:spTree>
-    <p:extLst>
-      <p:ext uri="{BB962C8B-B14F-4D97-AF65-F5344CB8AC3E}">
-        <p14:creationId xmlns:p14="http://schemas.microsoft.com/office/powerpoint/2010/main" val="1519939134"/>
-      </p:ext>
-    </p:extLst>
-  </p:cSld>
-  <p:clrMapOvr>
-    <a:masterClrMapping/>
-  </p:clrMapOvr>
-</p:sld>
-</file>
-
-<file path=ppt/slides/slide13.xml><?xml version="1.0" encoding="utf-8"?>
-<p:sld xmlns:a="http://schemas.openxmlformats.org/drawingml/2006/main" xmlns:r="http://schemas.openxmlformats.org/officeDocument/2006/relationships" xmlns:p="http://schemas.openxmlformats.org/presentationml/2006/main">
-  <p:cSld>
-    <p:spTree>
-      <p:nvGrpSpPr>
-        <p:cNvPr id="1" name=""/>
-        <p:cNvGrpSpPr/>
-        <p:nvPr/>
-      </p:nvGrpSpPr>
-      <p:grpSpPr>
-        <a:xfrm>
-          <a:off x="0" y="0"/>
-          <a:ext cx="0" cy="0"/>
-          <a:chOff x="0" y="0"/>
-          <a:chExt cx="0" cy="0"/>
-        </a:xfrm>
-      </p:grpSpPr>
-      <p:sp>
-        <p:nvSpPr>
           <p:cNvPr id="2" name="Title 1">
             <a:extLst>
               <a:ext uri="{FF2B5EF4-FFF2-40B4-BE49-F238E27FC236}">
@@ -8433,10 +8377,10 @@
       </p:sp>
       <p:graphicFrame>
         <p:nvGraphicFramePr>
-          <p:cNvPr id="4" name="Table 3">
+          <p:cNvPr id="5" name="Table 4">
             <a:extLst>
               <a:ext uri="{FF2B5EF4-FFF2-40B4-BE49-F238E27FC236}">
-                <a16:creationId xmlns:a16="http://schemas.microsoft.com/office/drawing/2014/main" id="{909B990D-C0CE-4BE6-A5ED-3917C7D4204A}"/>
+                <a16:creationId xmlns:a16="http://schemas.microsoft.com/office/drawing/2014/main" id="{E016E4CE-76CC-4FE9-AE21-70D639A396FD}"/>
               </a:ext>
             </a:extLst>
           </p:cNvPr>
@@ -8446,7 +8390,7 @@
           <p:nvPr>
             <p:extLst>
               <p:ext uri="{D42A27DB-BD31-4B8C-83A1-F6EECF244321}">
-                <p14:modId xmlns:p14="http://schemas.microsoft.com/office/powerpoint/2010/main" val="3149148107"/>
+                <p14:modId xmlns:p14="http://schemas.microsoft.com/office/powerpoint/2010/main" val="3373398822"/>
               </p:ext>
             </p:extLst>
           </p:nvPr>
@@ -8512,7 +8456,11 @@
                       <a:endParaRPr lang="en-US" sz="1600" dirty="0"/>
                     </a:p>
                   </a:txBody>
-                  <a:tcPr/>
+                  <a:tcPr>
+                    <a:solidFill>
+                      <a:srgbClr val="4294D6"/>
+                    </a:solidFill>
+                  </a:tcPr>
                 </a:tc>
                 <a:tc>
                   <a:txBody>
@@ -8541,21 +8489,6 @@
                       <a:pPr algn="ctr"/>
                       <a:r>
                         <a:rPr lang="de-DE" sz="1600" dirty="0"/>
-                        <a:t>Demo</a:t>
-                      </a:r>
-                      <a:endParaRPr lang="en-US" sz="1600" dirty="0"/>
-                    </a:p>
-                  </a:txBody>
-                  <a:tcPr/>
-                </a:tc>
-                <a:tc>
-                  <a:txBody>
-                    <a:bodyPr/>
-                    <a:lstStyle/>
-                    <a:p>
-                      <a:pPr algn="ctr"/>
-                      <a:r>
-                        <a:rPr lang="de-DE" sz="1600" dirty="0"/>
                         <a:t>Durchführung</a:t>
                       </a:r>
                       <a:endParaRPr lang="en-US" sz="1600" dirty="0"/>
@@ -8566,6 +8499,20 @@
                       <a:srgbClr val="92D050"/>
                     </a:solidFill>
                   </a:tcPr>
+                </a:tc>
+                <a:tc>
+                  <a:txBody>
+                    <a:bodyPr/>
+                    <a:lstStyle/>
+                    <a:p>
+                      <a:pPr algn="ctr"/>
+                      <a:r>
+                        <a:rPr lang="en-US" sz="1600" dirty="0"/>
+                        <a:t>Demo</a:t>
+                      </a:r>
+                    </a:p>
+                  </a:txBody>
+                  <a:tcPr/>
                 </a:tc>
                 <a:tc>
                   <a:txBody>
@@ -8605,7 +8552,7 @@
 </p:sld>
 </file>
 
-<file path=ppt/slides/slide14.xml><?xml version="1.0" encoding="utf-8"?>
+<file path=ppt/slides/slide13.xml><?xml version="1.0" encoding="utf-8"?>
 <p:sld xmlns:a="http://schemas.openxmlformats.org/drawingml/2006/main" xmlns:r="http://schemas.openxmlformats.org/officeDocument/2006/relationships" xmlns:p="http://schemas.openxmlformats.org/presentationml/2006/main">
   <p:cSld>
     <p:spTree>
@@ -8727,10 +8674,10 @@
       </p:sp>
       <p:graphicFrame>
         <p:nvGraphicFramePr>
-          <p:cNvPr id="4" name="Table 3">
+          <p:cNvPr id="5" name="Table 4">
             <a:extLst>
               <a:ext uri="{FF2B5EF4-FFF2-40B4-BE49-F238E27FC236}">
-                <a16:creationId xmlns:a16="http://schemas.microsoft.com/office/drawing/2014/main" id="{0AB75DEE-C3A4-4D86-A9CB-825F064729FC}"/>
+                <a16:creationId xmlns:a16="http://schemas.microsoft.com/office/drawing/2014/main" id="{443C97AE-B286-4F26-AFCB-1380D10AE0A2}"/>
               </a:ext>
             </a:extLst>
           </p:cNvPr>
@@ -8740,7 +8687,7 @@
           <p:nvPr>
             <p:extLst>
               <p:ext uri="{D42A27DB-BD31-4B8C-83A1-F6EECF244321}">
-                <p14:modId xmlns:p14="http://schemas.microsoft.com/office/powerpoint/2010/main" val="1691804508"/>
+                <p14:modId xmlns:p14="http://schemas.microsoft.com/office/powerpoint/2010/main" val="3146141746"/>
               </p:ext>
             </p:extLst>
           </p:nvPr>
@@ -8806,7 +8753,11 @@
                       <a:endParaRPr lang="en-US" sz="1600" dirty="0"/>
                     </a:p>
                   </a:txBody>
-                  <a:tcPr/>
+                  <a:tcPr>
+                    <a:solidFill>
+                      <a:srgbClr val="4294D6"/>
+                    </a:solidFill>
+                  </a:tcPr>
                 </a:tc>
                 <a:tc>
                   <a:txBody>
@@ -8835,21 +8786,6 @@
                       <a:pPr algn="ctr"/>
                       <a:r>
                         <a:rPr lang="de-DE" sz="1600" dirty="0"/>
-                        <a:t>Demo</a:t>
-                      </a:r>
-                      <a:endParaRPr lang="en-US" sz="1600" dirty="0"/>
-                    </a:p>
-                  </a:txBody>
-                  <a:tcPr/>
-                </a:tc>
-                <a:tc>
-                  <a:txBody>
-                    <a:bodyPr/>
-                    <a:lstStyle/>
-                    <a:p>
-                      <a:pPr algn="ctr"/>
-                      <a:r>
-                        <a:rPr lang="de-DE" sz="1600" dirty="0"/>
                         <a:t>Durchführung</a:t>
                       </a:r>
                       <a:endParaRPr lang="en-US" sz="1600" dirty="0"/>
@@ -8860,6 +8796,20 @@
                       <a:srgbClr val="92D050"/>
                     </a:solidFill>
                   </a:tcPr>
+                </a:tc>
+                <a:tc>
+                  <a:txBody>
+                    <a:bodyPr/>
+                    <a:lstStyle/>
+                    <a:p>
+                      <a:pPr algn="ctr"/>
+                      <a:r>
+                        <a:rPr lang="en-US" sz="1600" dirty="0"/>
+                        <a:t>Demo</a:t>
+                      </a:r>
+                    </a:p>
+                  </a:txBody>
+                  <a:tcPr/>
                 </a:tc>
                 <a:tc>
                   <a:txBody>
@@ -8899,7 +8849,7 @@
 </p:sld>
 </file>
 
-<file path=ppt/slides/slide15.xml><?xml version="1.0" encoding="utf-8"?>
+<file path=ppt/slides/slide14.xml><?xml version="1.0" encoding="utf-8"?>
 <p:sld xmlns:a="http://schemas.openxmlformats.org/drawingml/2006/main" xmlns:r="http://schemas.openxmlformats.org/officeDocument/2006/relationships" xmlns:p="http://schemas.openxmlformats.org/presentationml/2006/main">
   <p:cSld>
     <p:spTree>
@@ -9025,10 +8975,10 @@
       </p:sp>
       <p:graphicFrame>
         <p:nvGraphicFramePr>
-          <p:cNvPr id="4" name="Table 3">
+          <p:cNvPr id="5" name="Table 4">
             <a:extLst>
               <a:ext uri="{FF2B5EF4-FFF2-40B4-BE49-F238E27FC236}">
-                <a16:creationId xmlns:a16="http://schemas.microsoft.com/office/drawing/2014/main" id="{60583A61-A3BC-4DD3-8B08-AAC3052EC364}"/>
+                <a16:creationId xmlns:a16="http://schemas.microsoft.com/office/drawing/2014/main" id="{42A67C74-8E84-49E7-865B-C07BEDB93170}"/>
               </a:ext>
             </a:extLst>
           </p:cNvPr>
@@ -9038,7 +8988,7 @@
           <p:nvPr>
             <p:extLst>
               <p:ext uri="{D42A27DB-BD31-4B8C-83A1-F6EECF244321}">
-                <p14:modId xmlns:p14="http://schemas.microsoft.com/office/powerpoint/2010/main" val="3647422256"/>
+                <p14:modId xmlns:p14="http://schemas.microsoft.com/office/powerpoint/2010/main" val="778457635"/>
               </p:ext>
             </p:extLst>
           </p:nvPr>
@@ -9104,7 +9054,11 @@
                       <a:endParaRPr lang="en-US" sz="1600" dirty="0"/>
                     </a:p>
                   </a:txBody>
-                  <a:tcPr/>
+                  <a:tcPr>
+                    <a:solidFill>
+                      <a:srgbClr val="4294D6"/>
+                    </a:solidFill>
+                  </a:tcPr>
                 </a:tc>
                 <a:tc>
                   <a:txBody>
@@ -9133,21 +9087,6 @@
                       <a:pPr algn="ctr"/>
                       <a:r>
                         <a:rPr lang="de-DE" sz="1600" dirty="0"/>
-                        <a:t>Demo</a:t>
-                      </a:r>
-                      <a:endParaRPr lang="en-US" sz="1600" dirty="0"/>
-                    </a:p>
-                  </a:txBody>
-                  <a:tcPr/>
-                </a:tc>
-                <a:tc>
-                  <a:txBody>
-                    <a:bodyPr/>
-                    <a:lstStyle/>
-                    <a:p>
-                      <a:pPr algn="ctr"/>
-                      <a:r>
-                        <a:rPr lang="de-DE" sz="1600" dirty="0"/>
                         <a:t>Durchführung</a:t>
                       </a:r>
                       <a:endParaRPr lang="en-US" sz="1600" dirty="0"/>
@@ -9158,6 +9097,20 @@
                       <a:srgbClr val="92D050"/>
                     </a:solidFill>
                   </a:tcPr>
+                </a:tc>
+                <a:tc>
+                  <a:txBody>
+                    <a:bodyPr/>
+                    <a:lstStyle/>
+                    <a:p>
+                      <a:pPr algn="ctr"/>
+                      <a:r>
+                        <a:rPr lang="en-US" sz="1600" dirty="0"/>
+                        <a:t>Demo</a:t>
+                      </a:r>
+                    </a:p>
+                  </a:txBody>
+                  <a:tcPr/>
                 </a:tc>
                 <a:tc>
                   <a:txBody>
@@ -9197,7 +9150,7 @@
 </p:sld>
 </file>
 
-<file path=ppt/slides/slide16.xml><?xml version="1.0" encoding="utf-8"?>
+<file path=ppt/slides/slide15.xml><?xml version="1.0" encoding="utf-8"?>
 <p:sld xmlns:a="http://schemas.openxmlformats.org/drawingml/2006/main" xmlns:r="http://schemas.openxmlformats.org/officeDocument/2006/relationships" xmlns:p="http://schemas.openxmlformats.org/presentationml/2006/main">
   <p:cSld>
     <p:spTree>
@@ -9344,10 +9297,10 @@
       </p:sp>
       <p:graphicFrame>
         <p:nvGraphicFramePr>
-          <p:cNvPr id="4" name="Table 3">
+          <p:cNvPr id="5" name="Table 4">
             <a:extLst>
               <a:ext uri="{FF2B5EF4-FFF2-40B4-BE49-F238E27FC236}">
-                <a16:creationId xmlns:a16="http://schemas.microsoft.com/office/drawing/2014/main" id="{91C24330-B653-4E54-894D-2458CB8B3C77}"/>
+                <a16:creationId xmlns:a16="http://schemas.microsoft.com/office/drawing/2014/main" id="{8DCC540F-9C59-42A0-BBEB-2F8F8FDAA78E}"/>
               </a:ext>
             </a:extLst>
           </p:cNvPr>
@@ -9357,7 +9310,7 @@
           <p:nvPr>
             <p:extLst>
               <p:ext uri="{D42A27DB-BD31-4B8C-83A1-F6EECF244321}">
-                <p14:modId xmlns:p14="http://schemas.microsoft.com/office/powerpoint/2010/main" val="2485903044"/>
+                <p14:modId xmlns:p14="http://schemas.microsoft.com/office/powerpoint/2010/main" val="3724501824"/>
               </p:ext>
             </p:extLst>
           </p:nvPr>
@@ -9423,7 +9376,11 @@
                       <a:endParaRPr lang="en-US" sz="1600" dirty="0"/>
                     </a:p>
                   </a:txBody>
-                  <a:tcPr/>
+                  <a:tcPr>
+                    <a:solidFill>
+                      <a:srgbClr val="4294D6"/>
+                    </a:solidFill>
+                  </a:tcPr>
                 </a:tc>
                 <a:tc>
                   <a:txBody>
@@ -9452,21 +9409,6 @@
                       <a:pPr algn="ctr"/>
                       <a:r>
                         <a:rPr lang="de-DE" sz="1600" dirty="0"/>
-                        <a:t>Demo</a:t>
-                      </a:r>
-                      <a:endParaRPr lang="en-US" sz="1600" dirty="0"/>
-                    </a:p>
-                  </a:txBody>
-                  <a:tcPr/>
-                </a:tc>
-                <a:tc>
-                  <a:txBody>
-                    <a:bodyPr/>
-                    <a:lstStyle/>
-                    <a:p>
-                      <a:pPr algn="ctr"/>
-                      <a:r>
-                        <a:rPr lang="de-DE" sz="1600" dirty="0"/>
                         <a:t>Durchführung</a:t>
                       </a:r>
                       <a:endParaRPr lang="en-US" sz="1600" dirty="0"/>
@@ -9477,6 +9419,20 @@
                       <a:srgbClr val="92D050"/>
                     </a:solidFill>
                   </a:tcPr>
+                </a:tc>
+                <a:tc>
+                  <a:txBody>
+                    <a:bodyPr/>
+                    <a:lstStyle/>
+                    <a:p>
+                      <a:pPr algn="ctr"/>
+                      <a:r>
+                        <a:rPr lang="en-US" sz="1600" dirty="0"/>
+                        <a:t>Demo</a:t>
+                      </a:r>
+                    </a:p>
+                  </a:txBody>
+                  <a:tcPr/>
                 </a:tc>
                 <a:tc>
                   <a:txBody>
@@ -9516,6 +9472,65 @@
 </p:sld>
 </file>
 
+<file path=ppt/slides/slide16.xml><?xml version="1.0" encoding="utf-8"?>
+<p:sld xmlns:a="http://schemas.openxmlformats.org/drawingml/2006/main" xmlns:r="http://schemas.openxmlformats.org/officeDocument/2006/relationships" xmlns:p="http://schemas.openxmlformats.org/presentationml/2006/main">
+  <p:cSld>
+    <p:spTree>
+      <p:nvGrpSpPr>
+        <p:cNvPr id="1" name=""/>
+        <p:cNvGrpSpPr/>
+        <p:nvPr/>
+      </p:nvGrpSpPr>
+      <p:grpSpPr>
+        <a:xfrm>
+          <a:off x="0" y="0"/>
+          <a:ext cx="0" cy="0"/>
+          <a:chOff x="0" y="0"/>
+          <a:chExt cx="0" cy="0"/>
+        </a:xfrm>
+      </p:grpSpPr>
+      <p:sp>
+        <p:nvSpPr>
+          <p:cNvPr id="4" name="Title 3">
+            <a:extLst>
+              <a:ext uri="{FF2B5EF4-FFF2-40B4-BE49-F238E27FC236}">
+                <a16:creationId xmlns:a16="http://schemas.microsoft.com/office/drawing/2014/main" id="{E60C3045-FF9A-4EF6-8A58-78AA5CB289DE}"/>
+              </a:ext>
+            </a:extLst>
+          </p:cNvPr>
+          <p:cNvSpPr>
+            <a:spLocks noGrp="1"/>
+          </p:cNvSpPr>
+          <p:nvPr>
+            <p:ph type="title"/>
+          </p:nvPr>
+        </p:nvSpPr>
+        <p:spPr/>
+        <p:txBody>
+          <a:bodyPr/>
+          <a:lstStyle/>
+          <a:p>
+            <a:r>
+              <a:rPr lang="de-DE" dirty="0"/>
+              <a:t>Demo</a:t>
+            </a:r>
+            <a:endParaRPr lang="en-US" dirty="0"/>
+          </a:p>
+        </p:txBody>
+      </p:sp>
+    </p:spTree>
+    <p:extLst>
+      <p:ext uri="{BB962C8B-B14F-4D97-AF65-F5344CB8AC3E}">
+        <p14:creationId xmlns:p14="http://schemas.microsoft.com/office/powerpoint/2010/main" val="2259244815"/>
+      </p:ext>
+    </p:extLst>
+  </p:cSld>
+  <p:clrMapOvr>
+    <a:masterClrMapping/>
+  </p:clrMapOvr>
+</p:sld>
+</file>
+
 <file path=ppt/slides/slide17.xml><?xml version="1.0" encoding="utf-8"?>
 <p:sld xmlns:a="http://schemas.openxmlformats.org/drawingml/2006/main" xmlns:r="http://schemas.openxmlformats.org/officeDocument/2006/relationships" xmlns:p="http://schemas.openxmlformats.org/presentationml/2006/main">
   <p:cSld>
@@ -9846,10 +9861,10 @@
       </p:sp>
       <p:graphicFrame>
         <p:nvGraphicFramePr>
-          <p:cNvPr id="8" name="Table 7">
+          <p:cNvPr id="9" name="Table 8">
             <a:extLst>
               <a:ext uri="{FF2B5EF4-FFF2-40B4-BE49-F238E27FC236}">
-                <a16:creationId xmlns:a16="http://schemas.microsoft.com/office/drawing/2014/main" id="{332F3D8A-028F-4066-92B6-97CBBF7CA3C4}"/>
+                <a16:creationId xmlns:a16="http://schemas.microsoft.com/office/drawing/2014/main" id="{FFEDC18E-494B-4790-B2A2-9637A29DC473}"/>
               </a:ext>
             </a:extLst>
           </p:cNvPr>
@@ -9859,7 +9874,7 @@
           <p:nvPr>
             <p:extLst>
               <p:ext uri="{D42A27DB-BD31-4B8C-83A1-F6EECF244321}">
-                <p14:modId xmlns:p14="http://schemas.microsoft.com/office/powerpoint/2010/main" val="3034234366"/>
+                <p14:modId xmlns:p14="http://schemas.microsoft.com/office/powerpoint/2010/main" val="3357844157"/>
               </p:ext>
             </p:extLst>
           </p:nvPr>
@@ -9925,7 +9940,11 @@
                       <a:endParaRPr lang="en-US" sz="1600" dirty="0"/>
                     </a:p>
                   </a:txBody>
-                  <a:tcPr/>
+                  <a:tcPr>
+                    <a:solidFill>
+                      <a:srgbClr val="4294D6"/>
+                    </a:solidFill>
+                  </a:tcPr>
                 </a:tc>
                 <a:tc>
                   <a:txBody>
@@ -9954,7 +9973,7 @@
                       <a:pPr algn="ctr"/>
                       <a:r>
                         <a:rPr lang="de-DE" sz="1600" dirty="0"/>
-                        <a:t>Demo</a:t>
+                        <a:t>Durchführung</a:t>
                       </a:r>
                       <a:endParaRPr lang="en-US" sz="1600" dirty="0"/>
                     </a:p>
@@ -9968,10 +9987,9 @@
                     <a:p>
                       <a:pPr algn="ctr"/>
                       <a:r>
-                        <a:rPr lang="de-DE" sz="1600" dirty="0"/>
-                        <a:t>Durchführung</a:t>
+                        <a:rPr lang="en-US" sz="1600" dirty="0"/>
+                        <a:t>Demo</a:t>
                       </a:r>
-                      <a:endParaRPr lang="en-US" sz="1600" dirty="0"/>
                     </a:p>
                   </a:txBody>
                   <a:tcPr/>
@@ -10222,10 +10240,10 @@
       </p:sp>
       <p:graphicFrame>
         <p:nvGraphicFramePr>
-          <p:cNvPr id="7" name="Table 6">
+          <p:cNvPr id="8" name="Table 7">
             <a:extLst>
               <a:ext uri="{FF2B5EF4-FFF2-40B4-BE49-F238E27FC236}">
-                <a16:creationId xmlns:a16="http://schemas.microsoft.com/office/drawing/2014/main" id="{7BA13085-0F9D-40C9-B0D2-D770E3478558}"/>
+                <a16:creationId xmlns:a16="http://schemas.microsoft.com/office/drawing/2014/main" id="{EE944F83-087B-4201-ADAC-19E404AD2211}"/>
               </a:ext>
             </a:extLst>
           </p:cNvPr>
@@ -10235,7 +10253,7 @@
           <p:nvPr>
             <p:extLst>
               <p:ext uri="{D42A27DB-BD31-4B8C-83A1-F6EECF244321}">
-                <p14:modId xmlns:p14="http://schemas.microsoft.com/office/powerpoint/2010/main" val="1837418226"/>
+                <p14:modId xmlns:p14="http://schemas.microsoft.com/office/powerpoint/2010/main" val="1573248545"/>
               </p:ext>
             </p:extLst>
           </p:nvPr>
@@ -10301,7 +10319,11 @@
                       <a:endParaRPr lang="en-US" sz="1600" dirty="0"/>
                     </a:p>
                   </a:txBody>
-                  <a:tcPr/>
+                  <a:tcPr>
+                    <a:solidFill>
+                      <a:srgbClr val="4294D6"/>
+                    </a:solidFill>
+                  </a:tcPr>
                 </a:tc>
                 <a:tc>
                   <a:txBody>
@@ -10330,7 +10352,7 @@
                       <a:pPr algn="ctr"/>
                       <a:r>
                         <a:rPr lang="de-DE" sz="1600" dirty="0"/>
-                        <a:t>Demo</a:t>
+                        <a:t>Durchführung</a:t>
                       </a:r>
                       <a:endParaRPr lang="en-US" sz="1600" dirty="0"/>
                     </a:p>
@@ -10344,10 +10366,9 @@
                     <a:p>
                       <a:pPr algn="ctr"/>
                       <a:r>
-                        <a:rPr lang="de-DE" sz="1600" dirty="0"/>
-                        <a:t>Durchführung</a:t>
+                        <a:rPr lang="en-US" sz="1600" dirty="0"/>
+                        <a:t>Demo</a:t>
                       </a:r>
-                      <a:endParaRPr lang="en-US" sz="1600" dirty="0"/>
                     </a:p>
                   </a:txBody>
                   <a:tcPr/>
@@ -10565,7 +10586,9 @@
         </p:nvSpPr>
         <p:spPr/>
         <p:txBody>
-          <a:bodyPr/>
+          <a:bodyPr>
+            <a:normAutofit/>
+          </a:bodyPr>
           <a:lstStyle/>
           <a:p>
             <a:pPr>
@@ -10597,7 +10620,7 @@
             </a:pPr>
             <a:r>
               <a:rPr lang="de-DE" dirty="0"/>
-              <a:t>Demo</a:t>
+              <a:t>Durchführungen</a:t>
             </a:r>
           </a:p>
           <a:p>
@@ -10608,7 +10631,7 @@
             </a:pPr>
             <a:r>
               <a:rPr lang="de-DE" dirty="0"/>
-              <a:t>Durchführungen</a:t>
+              <a:t>Demo</a:t>
             </a:r>
           </a:p>
           <a:p>
@@ -10846,7 +10869,7 @@
           <p:nvPr>
             <p:extLst>
               <p:ext uri="{D42A27DB-BD31-4B8C-83A1-F6EECF244321}">
-                <p14:modId xmlns:p14="http://schemas.microsoft.com/office/powerpoint/2010/main" val="611180602"/>
+                <p14:modId xmlns:p14="http://schemas.microsoft.com/office/powerpoint/2010/main" val="3731606163"/>
               </p:ext>
             </p:extLst>
           </p:nvPr>
@@ -10945,7 +10968,7 @@
                       <a:pPr algn="ctr"/>
                       <a:r>
                         <a:rPr lang="de-DE" sz="1600" dirty="0"/>
-                        <a:t>Demo</a:t>
+                        <a:t>Durchführung</a:t>
                       </a:r>
                       <a:endParaRPr lang="en-US" sz="1600" dirty="0"/>
                     </a:p>
@@ -10959,10 +10982,9 @@
                     <a:p>
                       <a:pPr algn="ctr"/>
                       <a:r>
-                        <a:rPr lang="de-DE" sz="1600" dirty="0"/>
-                        <a:t>Durchführung</a:t>
+                        <a:rPr lang="en-US" sz="1600" dirty="0"/>
+                        <a:t>Demo</a:t>
                       </a:r>
-                      <a:endParaRPr lang="en-US" sz="1600" dirty="0"/>
                     </a:p>
                   </a:txBody>
                   <a:tcPr/>
@@ -11193,10 +11215,10 @@
       </p:sp>
       <p:graphicFrame>
         <p:nvGraphicFramePr>
-          <p:cNvPr id="6" name="Table 5">
+          <p:cNvPr id="7" name="Table 6">
             <a:extLst>
               <a:ext uri="{FF2B5EF4-FFF2-40B4-BE49-F238E27FC236}">
-                <a16:creationId xmlns:a16="http://schemas.microsoft.com/office/drawing/2014/main" id="{4FDF54BF-B48F-4E65-BC4F-47BE15E6DF89}"/>
+                <a16:creationId xmlns:a16="http://schemas.microsoft.com/office/drawing/2014/main" id="{DACB62F4-A577-456A-87EA-D63402393F34}"/>
               </a:ext>
             </a:extLst>
           </p:cNvPr>
@@ -11206,7 +11228,7 @@
           <p:nvPr>
             <p:extLst>
               <p:ext uri="{D42A27DB-BD31-4B8C-83A1-F6EECF244321}">
-                <p14:modId xmlns:p14="http://schemas.microsoft.com/office/powerpoint/2010/main" val="3670740881"/>
+                <p14:modId xmlns:p14="http://schemas.microsoft.com/office/powerpoint/2010/main" val="2656543012"/>
               </p:ext>
             </p:extLst>
           </p:nvPr>
@@ -11272,7 +11294,11 @@
                       <a:endParaRPr lang="en-US" sz="1600" dirty="0"/>
                     </a:p>
                   </a:txBody>
-                  <a:tcPr/>
+                  <a:tcPr>
+                    <a:solidFill>
+                      <a:srgbClr val="4294D6"/>
+                    </a:solidFill>
+                  </a:tcPr>
                 </a:tc>
                 <a:tc>
                   <a:txBody>
@@ -11301,7 +11327,7 @@
                       <a:pPr algn="ctr"/>
                       <a:r>
                         <a:rPr lang="de-DE" sz="1600" dirty="0"/>
-                        <a:t>Demo</a:t>
+                        <a:t>Durchführung</a:t>
                       </a:r>
                       <a:endParaRPr lang="en-US" sz="1600" dirty="0"/>
                     </a:p>
@@ -11315,10 +11341,9 @@
                     <a:p>
                       <a:pPr algn="ctr"/>
                       <a:r>
-                        <a:rPr lang="de-DE" sz="1600" dirty="0"/>
-                        <a:t>Durchführung</a:t>
+                        <a:rPr lang="en-US" sz="1600" dirty="0"/>
+                        <a:t>Demo</a:t>
                       </a:r>
-                      <a:endParaRPr lang="en-US" sz="1600" dirty="0"/>
                     </a:p>
                   </a:txBody>
                   <a:tcPr/>
@@ -11484,10 +11509,10 @@
       </p:sp>
       <p:graphicFrame>
         <p:nvGraphicFramePr>
-          <p:cNvPr id="5" name="Table 4">
+          <p:cNvPr id="6" name="Table 5">
             <a:extLst>
               <a:ext uri="{FF2B5EF4-FFF2-40B4-BE49-F238E27FC236}">
-                <a16:creationId xmlns:a16="http://schemas.microsoft.com/office/drawing/2014/main" id="{9543D64B-129A-4BBE-A275-D2BFEC569871}"/>
+                <a16:creationId xmlns:a16="http://schemas.microsoft.com/office/drawing/2014/main" id="{C3E96437-FC6C-4D84-919B-CC75B2415551}"/>
               </a:ext>
             </a:extLst>
           </p:cNvPr>
@@ -11497,7 +11522,7 @@
           <p:nvPr>
             <p:extLst>
               <p:ext uri="{D42A27DB-BD31-4B8C-83A1-F6EECF244321}">
-                <p14:modId xmlns:p14="http://schemas.microsoft.com/office/powerpoint/2010/main" val="426736712"/>
+                <p14:modId xmlns:p14="http://schemas.microsoft.com/office/powerpoint/2010/main" val="59853100"/>
               </p:ext>
             </p:extLst>
           </p:nvPr>
@@ -11563,7 +11588,11 @@
                       <a:endParaRPr lang="en-US" sz="1600" dirty="0"/>
                     </a:p>
                   </a:txBody>
-                  <a:tcPr/>
+                  <a:tcPr>
+                    <a:solidFill>
+                      <a:srgbClr val="4294D6"/>
+                    </a:solidFill>
+                  </a:tcPr>
                 </a:tc>
                 <a:tc>
                   <a:txBody>
@@ -11592,7 +11621,7 @@
                       <a:pPr algn="ctr"/>
                       <a:r>
                         <a:rPr lang="de-DE" sz="1600" dirty="0"/>
-                        <a:t>Demo</a:t>
+                        <a:t>Durchführung</a:t>
                       </a:r>
                       <a:endParaRPr lang="en-US" sz="1600" dirty="0"/>
                     </a:p>
@@ -11606,10 +11635,9 @@
                     <a:p>
                       <a:pPr algn="ctr"/>
                       <a:r>
-                        <a:rPr lang="de-DE" sz="1600" dirty="0"/>
-                        <a:t>Durchführung</a:t>
+                        <a:rPr lang="en-US" sz="1600" dirty="0"/>
+                        <a:t>Demo</a:t>
                       </a:r>
-                      <a:endParaRPr lang="en-US" sz="1600" dirty="0"/>
                     </a:p>
                   </a:txBody>
                   <a:tcPr/>
@@ -11778,10 +11806,10 @@
       </p:sp>
       <p:graphicFrame>
         <p:nvGraphicFramePr>
-          <p:cNvPr id="7" name="Table 6">
+          <p:cNvPr id="6" name="Table 5">
             <a:extLst>
               <a:ext uri="{FF2B5EF4-FFF2-40B4-BE49-F238E27FC236}">
-                <a16:creationId xmlns:a16="http://schemas.microsoft.com/office/drawing/2014/main" id="{73692146-BE2B-4495-A4DB-9C69088EAFB0}"/>
+                <a16:creationId xmlns:a16="http://schemas.microsoft.com/office/drawing/2014/main" id="{5D3B4592-1A66-4B9F-98EA-B4DCD723A0D0}"/>
               </a:ext>
             </a:extLst>
           </p:cNvPr>
@@ -11791,7 +11819,7 @@
           <p:nvPr>
             <p:extLst>
               <p:ext uri="{D42A27DB-BD31-4B8C-83A1-F6EECF244321}">
-                <p14:modId xmlns:p14="http://schemas.microsoft.com/office/powerpoint/2010/main" val="2888892743"/>
+                <p14:modId xmlns:p14="http://schemas.microsoft.com/office/powerpoint/2010/main" val="3398018690"/>
               </p:ext>
             </p:extLst>
           </p:nvPr>
@@ -11857,7 +11885,11 @@
                       <a:endParaRPr lang="en-US" sz="1600" dirty="0"/>
                     </a:p>
                   </a:txBody>
-                  <a:tcPr/>
+                  <a:tcPr>
+                    <a:solidFill>
+                      <a:srgbClr val="4294D6"/>
+                    </a:solidFill>
+                  </a:tcPr>
                 </a:tc>
                 <a:tc>
                   <a:txBody>
@@ -11886,7 +11918,7 @@
                       <a:pPr algn="ctr"/>
                       <a:r>
                         <a:rPr lang="de-DE" sz="1600" dirty="0"/>
-                        <a:t>Demo</a:t>
+                        <a:t>Durchführung</a:t>
                       </a:r>
                       <a:endParaRPr lang="en-US" sz="1600" dirty="0"/>
                     </a:p>
@@ -11900,10 +11932,9 @@
                     <a:p>
                       <a:pPr algn="ctr"/>
                       <a:r>
-                        <a:rPr lang="de-DE" sz="1600" dirty="0"/>
-                        <a:t>Durchführung</a:t>
+                        <a:rPr lang="en-US" sz="1600" dirty="0"/>
+                        <a:t>Demo</a:t>
                       </a:r>
-                      <a:endParaRPr lang="en-US" sz="1600" dirty="0"/>
                     </a:p>
                   </a:txBody>
                   <a:tcPr/>
